--- a/documents/poster.pptx
+++ b/documents/poster.pptx
@@ -146,7 +146,7 @@
           <a:p>
             <a:fld id="{35D58B09-9349-4D95-BA3C-E78270D46FC6}" type="datetimeFigureOut">
               <a:rPr lang="en-GB" smtClean="0"/>
-              <a:t>27/05/2017</a:t>
+              <a:t>02/06/2017</a:t>
             </a:fld>
             <a:endParaRPr lang="en-GB"/>
           </a:p>
@@ -762,7 +762,7 @@
           <a:p>
             <a:fld id="{35D58B09-9349-4D95-BA3C-E78270D46FC6}" type="datetimeFigureOut">
               <a:rPr lang="en-GB" smtClean="0"/>
-              <a:t>27/05/2017</a:t>
+              <a:t>02/06/2017</a:t>
             </a:fld>
             <a:endParaRPr lang="en-GB"/>
           </a:p>
@@ -932,7 +932,7 @@
           <a:p>
             <a:fld id="{35D58B09-9349-4D95-BA3C-E78270D46FC6}" type="datetimeFigureOut">
               <a:rPr lang="en-GB" smtClean="0"/>
-              <a:t>27/05/2017</a:t>
+              <a:t>02/06/2017</a:t>
             </a:fld>
             <a:endParaRPr lang="en-GB"/>
           </a:p>
@@ -1112,7 +1112,7 @@
           <a:p>
             <a:fld id="{35D58B09-9349-4D95-BA3C-E78270D46FC6}" type="datetimeFigureOut">
               <a:rPr lang="en-GB" smtClean="0"/>
-              <a:t>27/05/2017</a:t>
+              <a:t>02/06/2017</a:t>
             </a:fld>
             <a:endParaRPr lang="en-GB"/>
           </a:p>
@@ -1304,7 +1304,7 @@
           <a:p>
             <a:fld id="{35D58B09-9349-4D95-BA3C-E78270D46FC6}" type="datetimeFigureOut">
               <a:rPr lang="en-GB" smtClean="0"/>
-              <a:t>27/05/2017</a:t>
+              <a:t>02/06/2017</a:t>
             </a:fld>
             <a:endParaRPr lang="en-GB"/>
           </a:p>
@@ -1474,7 +1474,7 @@
           <a:p>
             <a:fld id="{35D58B09-9349-4D95-BA3C-E78270D46FC6}" type="datetimeFigureOut">
               <a:rPr lang="en-GB" smtClean="0"/>
-              <a:t>27/05/2017</a:t>
+              <a:t>02/06/2017</a:t>
             </a:fld>
             <a:endParaRPr lang="en-GB"/>
           </a:p>
@@ -1718,7 +1718,7 @@
           <a:p>
             <a:fld id="{35D58B09-9349-4D95-BA3C-E78270D46FC6}" type="datetimeFigureOut">
               <a:rPr lang="en-GB" smtClean="0"/>
-              <a:t>27/05/2017</a:t>
+              <a:t>02/06/2017</a:t>
             </a:fld>
             <a:endParaRPr lang="en-GB"/>
           </a:p>
@@ -1950,7 +1950,7 @@
           <a:p>
             <a:fld id="{35D58B09-9349-4D95-BA3C-E78270D46FC6}" type="datetimeFigureOut">
               <a:rPr lang="en-GB" smtClean="0"/>
-              <a:t>27/05/2017</a:t>
+              <a:t>02/06/2017</a:t>
             </a:fld>
             <a:endParaRPr lang="en-GB"/>
           </a:p>
@@ -2317,7 +2317,7 @@
           <a:p>
             <a:fld id="{35D58B09-9349-4D95-BA3C-E78270D46FC6}" type="datetimeFigureOut">
               <a:rPr lang="en-GB" smtClean="0"/>
-              <a:t>27/05/2017</a:t>
+              <a:t>02/06/2017</a:t>
             </a:fld>
             <a:endParaRPr lang="en-GB"/>
           </a:p>
@@ -2435,7 +2435,7 @@
           <a:p>
             <a:fld id="{35D58B09-9349-4D95-BA3C-E78270D46FC6}" type="datetimeFigureOut">
               <a:rPr lang="en-GB" smtClean="0"/>
-              <a:t>27/05/2017</a:t>
+              <a:t>02/06/2017</a:t>
             </a:fld>
             <a:endParaRPr lang="en-GB"/>
           </a:p>
@@ -2530,7 +2530,7 @@
           <a:p>
             <a:fld id="{35D58B09-9349-4D95-BA3C-E78270D46FC6}" type="datetimeFigureOut">
               <a:rPr lang="en-GB" smtClean="0"/>
-              <a:t>27/05/2017</a:t>
+              <a:t>02/06/2017</a:t>
             </a:fld>
             <a:endParaRPr lang="en-GB"/>
           </a:p>
@@ -2807,7 +2807,7 @@
           <a:p>
             <a:fld id="{35D58B09-9349-4D95-BA3C-E78270D46FC6}" type="datetimeFigureOut">
               <a:rPr lang="en-GB" smtClean="0"/>
-              <a:t>27/05/2017</a:t>
+              <a:t>02/06/2017</a:t>
             </a:fld>
             <a:endParaRPr lang="en-GB"/>
           </a:p>
@@ -3019,7 +3019,7 @@
           <a:p>
             <a:fld id="{35D58B09-9349-4D95-BA3C-E78270D46FC6}" type="datetimeFigureOut">
               <a:rPr lang="en-GB" smtClean="0"/>
-              <a:t>27/05/2017</a:t>
+              <a:t>02/06/2017</a:t>
             </a:fld>
             <a:endParaRPr lang="en-GB"/>
           </a:p>
@@ -3837,6 +3837,32 @@
               <a:rPr lang="en-US" sz="2000" dirty="0"/>
               <a:t>, 2013).</a:t>
             </a:r>
+          </a:p>
+          <a:p>
+            <a:pPr>
+              <a:spcBef>
+                <a:spcPts val="1697"/>
+              </a:spcBef>
+            </a:pPr>
+            <a:r>
+              <a:rPr lang="en-GB" sz="2000" dirty="0"/>
+              <a:t>To retrieve detailed book information (based on the ISBN), </a:t>
+            </a:r>
+            <a:r>
+              <a:rPr lang="en-GB" sz="2000" dirty="0" err="1"/>
+              <a:t>ShareBook</a:t>
+            </a:r>
+            <a:r>
+              <a:rPr lang="en-GB" sz="2000" dirty="0"/>
+              <a:t> uses the Google Books API.</a:t>
+            </a:r>
+          </a:p>
+          <a:p>
+            <a:pPr>
+              <a:spcBef>
+                <a:spcPts val="1697"/>
+              </a:spcBef>
+            </a:pPr>
             <a:endParaRPr lang="en-GB" sz="2000" dirty="0"/>
           </a:p>
         </p:txBody>
@@ -3995,7 +4021,7 @@
                   <a:schemeClr val="bg1"/>
                 </a:solidFill>
               </a:rPr>
-              <a:t>Google Books API</a:t>
+              <a:t>Backend</a:t>
             </a:r>
           </a:p>
         </p:txBody>
@@ -4150,7 +4176,7 @@
             </a:pPr>
             <a:r>
               <a:rPr lang="en-GB" sz="2000" dirty="0"/>
-              <a:t>To retrieve detailed book information (based on the ISBN), </a:t>
+              <a:t>The backend of </a:t>
             </a:r>
             <a:r>
               <a:rPr lang="en-GB" sz="2000" dirty="0" err="1"/>
@@ -4158,7 +4184,7 @@
             </a:r>
             <a:r>
               <a:rPr lang="en-GB" sz="2000" dirty="0"/>
-              <a:t> uses the Google Books API.</a:t>
+              <a:t> provides a RESTful API for querying the books to display. The data is exchanged via JSON. </a:t>
             </a:r>
           </a:p>
           <a:p>
@@ -4169,7 +4195,15 @@
             </a:pPr>
             <a:r>
               <a:rPr lang="en-GB" sz="2000" dirty="0"/>
-              <a:t>The API offers detailed information about a certain book (author, title, image, number of pages, category,..) which can be retrieved via entering/scanning the ISBN. </a:t>
+              <a:t>The RESTful API is implemented in form of a </a:t>
+            </a:r>
+            <a:r>
+              <a:rPr lang="en-GB" sz="2000" dirty="0" err="1"/>
+              <a:t>NodeJS</a:t>
+            </a:r>
+            <a:r>
+              <a:rPr lang="en-GB" sz="2000" dirty="0"/>
+              <a:t>-Server. It handles the clients requests and offers an easy processing of the data structure in different kind of clients (desktop apps, native mobile apps, etc.). </a:t>
             </a:r>
           </a:p>
           <a:p>
@@ -4179,8 +4213,28 @@
               </a:spcBef>
             </a:pPr>
             <a:r>
-              <a:rPr lang="en-US" sz="2000" dirty="0"/>
-              <a:t>The Books API can be invoked using REST from JavaScript using the callback query parameter and a callback function. This allows developers to write applications that display Google Books data without writing any server side code.</a:t>
+              <a:rPr lang="en-GB" sz="2000" dirty="0"/>
+              <a:t>The </a:t>
+            </a:r>
+            <a:r>
+              <a:rPr lang="en-GB" sz="2000" dirty="0" err="1"/>
+              <a:t>NodeJS</a:t>
+            </a:r>
+            <a:r>
+              <a:rPr lang="en-GB" sz="2000" dirty="0"/>
+              <a:t> part was generated was generated by the SWAGGER API Generator which offers </a:t>
+            </a:r>
+            <a:r>
+              <a:rPr lang="en-GB" sz="2000" dirty="0" err="1"/>
+              <a:t>ShareBook</a:t>
+            </a:r>
+            <a:r>
+              <a:rPr lang="en-GB" sz="2000" dirty="0"/>
+              <a:t> the flexibility to change backend technology to Java or PHP based server in a </a:t>
+            </a:r>
+            <a:r>
+              <a:rPr lang="en-GB" sz="2000"/>
+              <a:t>quick way. </a:t>
             </a:r>
             <a:endParaRPr lang="en-GB" sz="2000" dirty="0"/>
           </a:p>
@@ -4318,7 +4372,7 @@
           <p:nvPr/>
         </p:nvPicPr>
         <p:blipFill>
-          <a:blip r:embed="rId3">
+          <a:blip r:embed="rId3" cstate="print">
             <a:extLst>
               <a:ext uri="{28A0092B-C50C-407E-A947-70E740481C1C}">
                 <a14:useLocalDpi xmlns:a14="http://schemas.microsoft.com/office/drawing/2010/main" val="0"/>
@@ -4332,8 +4386,8 @@
         </p:blipFill>
         <p:spPr bwMode="auto">
           <a:xfrm>
-            <a:off x="8519324" y="6067535"/>
-            <a:ext cx="5222384" cy="1814779"/>
+            <a:off x="9023391" y="6595470"/>
+            <a:ext cx="4214250" cy="1464452"/>
           </a:xfrm>
           <a:prstGeom prst="rect">
             <a:avLst/>
@@ -4927,13 +4981,12 @@
 </file>
 
 <file path=customXml/item1.xml><?xml version="1.0" encoding="utf-8"?>
-<p:properties xmlns:p="http://schemas.microsoft.com/office/2006/metadata/properties" xmlns:xsi="http://www.w3.org/2001/XMLSchema-instance" xmlns:pc="http://schemas.microsoft.com/office/infopath/2007/PartnerControls">
-  <documentManagement>
-    <IT_x0020_Training_x0020_Resource_x0020_Type xmlns="7a7d16e6-7e45-474e-b3e3-46e6132bcd83">Resource</IT_x0020_Training_x0020_Resource_x0020_Type>
-    <IT_x0020_Training_x0020_Course xmlns="7a7d16e6-7e45-474e-b3e3-46e6132bcd83">Designing Academic Posters</IT_x0020_Training_x0020_Course>
-    <IconOverlay xmlns="http://schemas.microsoft.com/sharepoint/v4" xsi:nil="true"/>
-  </documentManagement>
-</p:properties>
+<?mso-contentType ?>
+<FormTemplates xmlns="http://schemas.microsoft.com/sharepoint/v3/contenttype/forms">
+  <Display>DocumentLibraryForm</Display>
+  <Edit>DocumentLibraryForm</Edit>
+  <New>DocumentLibraryForm</New>
+</FormTemplates>
 </file>
 
 <file path=customXml/item2.xml><?xml version="1.0" encoding="utf-8"?>
@@ -5111,27 +5164,19 @@
 </file>
 
 <file path=customXml/item3.xml><?xml version="1.0" encoding="utf-8"?>
-<?mso-contentType ?>
-<FormTemplates xmlns="http://schemas.microsoft.com/sharepoint/v3/contenttype/forms">
-  <Display>DocumentLibraryForm</Display>
-  <Edit>DocumentLibraryForm</Edit>
-  <New>DocumentLibraryForm</New>
-</FormTemplates>
+<p:properties xmlns:p="http://schemas.microsoft.com/office/2006/metadata/properties" xmlns:xsi="http://www.w3.org/2001/XMLSchema-instance" xmlns:pc="http://schemas.microsoft.com/office/infopath/2007/PartnerControls">
+  <documentManagement>
+    <IT_x0020_Training_x0020_Resource_x0020_Type xmlns="7a7d16e6-7e45-474e-b3e3-46e6132bcd83">Resource</IT_x0020_Training_x0020_Resource_x0020_Type>
+    <IT_x0020_Training_x0020_Course xmlns="7a7d16e6-7e45-474e-b3e3-46e6132bcd83">Designing Academic Posters</IT_x0020_Training_x0020_Course>
+    <IconOverlay xmlns="http://schemas.microsoft.com/sharepoint/v4" xsi:nil="true"/>
+  </documentManagement>
+</p:properties>
 </file>
 
 <file path=customXml/itemProps1.xml><?xml version="1.0" encoding="utf-8"?>
-<ds:datastoreItem xmlns:ds="http://schemas.openxmlformats.org/officeDocument/2006/customXml" ds:itemID="{786E4ABE-939B-4224-B22A-06D694F56F5E}">
+<ds:datastoreItem xmlns:ds="http://schemas.openxmlformats.org/officeDocument/2006/customXml" ds:itemID="{96CC2D59-CFF9-4836-873E-F72EACACF361}">
   <ds:schemaRefs>
-    <ds:schemaRef ds:uri="http://schemas.openxmlformats.org/package/2006/metadata/core-properties"/>
-    <ds:schemaRef ds:uri="http://schemas.microsoft.com/office/infopath/2007/PartnerControls"/>
-    <ds:schemaRef ds:uri="http://schemas.microsoft.com/sharepoint/v4"/>
-    <ds:schemaRef ds:uri="7a7d16e6-7e45-474e-b3e3-46e6132bcd83"/>
-    <ds:schemaRef ds:uri="http://schemas.microsoft.com/office/2006/documentManagement/types"/>
-    <ds:schemaRef ds:uri="http://www.w3.org/XML/1998/namespace"/>
-    <ds:schemaRef ds:uri="http://purl.org/dc/terms/"/>
-    <ds:schemaRef ds:uri="http://schemas.microsoft.com/office/2006/metadata/properties"/>
-    <ds:schemaRef ds:uri="http://purl.org/dc/dcmitype/"/>
-    <ds:schemaRef ds:uri="http://purl.org/dc/elements/1.1/"/>
+    <ds:schemaRef ds:uri="http://schemas.microsoft.com/sharepoint/v3/contenttype/forms"/>
   </ds:schemaRefs>
 </ds:datastoreItem>
 </file>
@@ -5156,9 +5201,18 @@
 </file>
 
 <file path=customXml/itemProps3.xml><?xml version="1.0" encoding="utf-8"?>
-<ds:datastoreItem xmlns:ds="http://schemas.openxmlformats.org/officeDocument/2006/customXml" ds:itemID="{96CC2D59-CFF9-4836-873E-F72EACACF361}">
+<ds:datastoreItem xmlns:ds="http://schemas.openxmlformats.org/officeDocument/2006/customXml" ds:itemID="{786E4ABE-939B-4224-B22A-06D694F56F5E}">
   <ds:schemaRefs>
-    <ds:schemaRef ds:uri="http://schemas.microsoft.com/sharepoint/v3/contenttype/forms"/>
+    <ds:schemaRef ds:uri="http://schemas.openxmlformats.org/package/2006/metadata/core-properties"/>
+    <ds:schemaRef ds:uri="http://schemas.microsoft.com/office/infopath/2007/PartnerControls"/>
+    <ds:schemaRef ds:uri="http://schemas.microsoft.com/sharepoint/v4"/>
+    <ds:schemaRef ds:uri="7a7d16e6-7e45-474e-b3e3-46e6132bcd83"/>
+    <ds:schemaRef ds:uri="http://schemas.microsoft.com/office/2006/documentManagement/types"/>
+    <ds:schemaRef ds:uri="http://www.w3.org/XML/1998/namespace"/>
+    <ds:schemaRef ds:uri="http://purl.org/dc/terms/"/>
+    <ds:schemaRef ds:uri="http://schemas.microsoft.com/office/2006/metadata/properties"/>
+    <ds:schemaRef ds:uri="http://purl.org/dc/dcmitype/"/>
+    <ds:schemaRef ds:uri="http://purl.org/dc/elements/1.1/"/>
   </ds:schemaRefs>
 </ds:datastoreItem>
 </file>